--- a/fuentes/contenidos/grado11/guion16/CN__11_16_CO.pptx
+++ b/fuentes/contenidos/grado11/guion16/CN__11_16_CO.pptx
@@ -405,7 +405,7 @@
           <a:p>
             <a:fld id="{5001C876-01F7-4317-94B9-1AE222133113}" type="datetimeFigureOut">
               <a:rPr lang="es-ES" smtClean="0"/>
-              <a:t>15/05/2016</a:t>
+              <a:t>27/07/2016</a:t>
             </a:fld>
             <a:endParaRPr lang="es-ES"/>
           </a:p>
@@ -3438,20 +3438,12 @@
               <a:buChar char="•"/>
             </a:pPr>
             <a:r>
-              <a:rPr lang="es-CO" sz="900" dirty="0" err="1">
-                <a:solidFill>
-                  <a:schemeClr val="bg1"/>
-                </a:solidFill>
-              </a:rPr>
-              <a:t>hisdrosolubles</a:t>
-            </a:r>
-            <a:r>
               <a:rPr lang="es-CO" sz="900" dirty="0">
                 <a:solidFill>
                   <a:schemeClr val="bg1"/>
                 </a:solidFill>
               </a:rPr>
-              <a:t> (B y C)</a:t>
+              <a:t>hidrosolubles (B y C)</a:t>
             </a:r>
           </a:p>
           <a:p>

--- a/fuentes/contenidos/grado11/guion16/CN__11_16_CO.pptx
+++ b/fuentes/contenidos/grado11/guion16/CN__11_16_CO.pptx
@@ -106,7 +106,7 @@
   </p:defaultTextStyle>
   <p:extLst>
     <p:ext uri="{EFAFB233-063F-42B5-8137-9DF3F51BA10A}">
-      <p15:sldGuideLst xmlns:p15="http://schemas.microsoft.com/office/powerpoint/2012/main">
+      <p15:sldGuideLst xmlns:p15="http://schemas.microsoft.com/office/powerpoint/2012/main" xmlns="">
         <p15:guide id="1" orient="horz" pos="2160">
           <p15:clr>
             <a:srgbClr val="A4A3A4"/>
@@ -405,7 +405,7 @@
           <a:p>
             <a:fld id="{5001C876-01F7-4317-94B9-1AE222133113}" type="datetimeFigureOut">
               <a:rPr lang="es-ES" smtClean="0"/>
-              <a:t>27/07/2016</a:t>
+              <a:t>29/07/16</a:t>
             </a:fld>
             <a:endParaRPr lang="es-ES"/>
           </a:p>
@@ -463,7 +463,7 @@
           <a:p>
             <a:fld id="{58140F73-F5A2-4B82-A2FA-BF1850CF1309}" type="slidenum">
               <a:rPr lang="es-ES" smtClean="0"/>
-              <a:t>‹Nº›</a:t>
+              <a:t>‹Nr.›</a:t>
             </a:fld>
             <a:endParaRPr lang="es-ES"/>
           </a:p>
@@ -2186,12 +2186,14 @@
           <p:nvPr/>
         </p:nvCxnSpPr>
         <p:spPr>
-          <a:xfrm>
-            <a:off x="4739563" y="3208258"/>
-            <a:ext cx="0" cy="174703"/>
-          </a:xfrm>
-          <a:prstGeom prst="line">
-            <a:avLst/>
+          <a:xfrm rot="5400000">
+            <a:off x="4415883" y="3219816"/>
+            <a:ext cx="335238" cy="312122"/>
+          </a:xfrm>
+          <a:prstGeom prst="bentConnector3">
+            <a:avLst>
+              <a:gd name="adj1" fmla="val 50000"/>
+            </a:avLst>
           </a:prstGeom>
           <a:ln w="12700">
             <a:solidFill>
@@ -2370,8 +2372,8 @@
         </p:nvSpPr>
         <p:spPr>
           <a:xfrm>
-            <a:off x="4302951" y="2697617"/>
-            <a:ext cx="873224" cy="510641"/>
+            <a:off x="4342643" y="2697617"/>
+            <a:ext cx="793840" cy="510641"/>
           </a:xfrm>
           <a:prstGeom prst="rect">
             <a:avLst/>
@@ -2497,8 +2499,8 @@
         </p:nvSpPr>
         <p:spPr>
           <a:xfrm>
-            <a:off x="6436959" y="2706799"/>
-            <a:ext cx="1056601" cy="501459"/>
+            <a:off x="6577220" y="2706799"/>
+            <a:ext cx="793840" cy="501459"/>
           </a:xfrm>
           <a:prstGeom prst="rect">
             <a:avLst/>
@@ -2552,7 +2554,7 @@
         </p:nvSpPr>
         <p:spPr>
           <a:xfrm>
-            <a:off x="4290561" y="3382961"/>
+            <a:off x="3978439" y="3543496"/>
             <a:ext cx="898003" cy="230832"/>
           </a:xfrm>
           <a:prstGeom prst="rect">
@@ -2618,8 +2620,8 @@
         </p:nvSpPr>
         <p:spPr>
           <a:xfrm>
-            <a:off x="4303838" y="3867138"/>
-            <a:ext cx="873813" cy="526398"/>
+            <a:off x="4030253" y="3867138"/>
+            <a:ext cx="794375" cy="526398"/>
           </a:xfrm>
           <a:prstGeom prst="rect">
             <a:avLst/>
@@ -2668,46 +2670,8 @@
         </p:nvCxnSpPr>
         <p:spPr>
           <a:xfrm>
-            <a:off x="4739563" y="3613793"/>
-            <a:ext cx="1182" cy="253345"/>
-          </a:xfrm>
-          <a:prstGeom prst="line">
-            <a:avLst/>
-          </a:prstGeom>
-          <a:ln w="12700">
-            <a:solidFill>
-              <a:schemeClr val="tx1"/>
-            </a:solidFill>
-          </a:ln>
-        </p:spPr>
-        <p:style>
-          <a:lnRef idx="1">
-            <a:schemeClr val="accent1"/>
-          </a:lnRef>
-          <a:fillRef idx="0">
-            <a:schemeClr val="accent1"/>
-          </a:fillRef>
-          <a:effectRef idx="0">
-            <a:schemeClr val="accent1"/>
-          </a:effectRef>
-          <a:fontRef idx="minor">
-            <a:schemeClr val="tx1"/>
-          </a:fontRef>
-        </p:style>
-      </p:cxnSp>
-      <p:cxnSp>
-        <p:nvCxnSpPr>
-          <p:cNvPr id="187" name="Conector recto 186"/>
-          <p:cNvCxnSpPr>
-            <a:stCxn id="183" idx="2"/>
-            <a:endCxn id="201" idx="0"/>
-          </p:cNvCxnSpPr>
-          <p:nvPr/>
-        </p:nvCxnSpPr>
-        <p:spPr>
-          <a:xfrm flipH="1">
-            <a:off x="4736133" y="4393536"/>
-            <a:ext cx="4612" cy="114569"/>
+            <a:off x="4427441" y="3774328"/>
+            <a:ext cx="0" cy="92810"/>
           </a:xfrm>
           <a:prstGeom prst="line">
             <a:avLst/>
@@ -2741,8 +2705,8 @@
         </p:nvSpPr>
         <p:spPr>
           <a:xfrm>
-            <a:off x="4244156" y="4508105"/>
-            <a:ext cx="983953" cy="230832"/>
+            <a:off x="5124957" y="3543496"/>
+            <a:ext cx="982717" cy="230832"/>
           </a:xfrm>
           <a:prstGeom prst="rect">
             <a:avLst/>
@@ -2756,7 +2720,15 @@
           <a:p>
             <a:r>
               <a:rPr lang="es-CO" sz="900" dirty="0"/>
-              <a:t>tiene influencia en </a:t>
+              <a:t>c</a:t>
+            </a:r>
+            <a:r>
+              <a:rPr lang="es-CO" sz="900" dirty="0" smtClean="0"/>
+              <a:t>on influencia </a:t>
+            </a:r>
+            <a:r>
+              <a:rPr lang="es-CO" sz="900" dirty="0"/>
+              <a:t>en </a:t>
             </a:r>
           </a:p>
         </p:txBody>
@@ -2849,22 +2821,27 @@
         </p:nvSpPr>
         <p:spPr>
           <a:xfrm>
-            <a:off x="4190392" y="4904177"/>
-            <a:ext cx="1097190" cy="1769887"/>
+            <a:off x="4984388" y="3867139"/>
+            <a:ext cx="1263854" cy="1690606"/>
           </a:xfrm>
           <a:prstGeom prst="rect">
             <a:avLst/>
           </a:prstGeom>
-        </p:spPr>
-        <p:style>
-          <a:lnRef idx="2">
-            <a:schemeClr val="dk1"/>
-          </a:lnRef>
-          <a:fillRef idx="1">
-            <a:schemeClr val="lt1"/>
-          </a:fillRef>
-          <a:effectRef idx="0">
-            <a:schemeClr val="dk1"/>
+          <a:ln w="12700">
+            <a:solidFill>
+              <a:schemeClr val="tx1"/>
+            </a:solidFill>
+          </a:ln>
+        </p:spPr>
+        <p:style>
+          <a:lnRef idx="1">
+            <a:schemeClr val="accent3"/>
+          </a:lnRef>
+          <a:fillRef idx="2">
+            <a:schemeClr val="accent3"/>
+          </a:fillRef>
+          <a:effectRef idx="1">
+            <a:schemeClr val="accent3"/>
           </a:effectRef>
           <a:fontRef idx="minor">
             <a:schemeClr val="dk1"/>
@@ -2875,7 +2852,7 @@
           <a:lstStyle/>
           <a:p>
             <a:pPr marL="171450" indent="-171450">
-              <a:buFont typeface="Arial" panose="020B0604020202020204" pitchFamily="34" charset="0"/>
+              <a:buFont typeface="Arial"/>
               <a:buChar char="•"/>
             </a:pPr>
             <a:r>
@@ -2885,7 +2862,7 @@
           </a:p>
           <a:p>
             <a:pPr marL="171450" indent="-171450">
-              <a:buFont typeface="Arial" panose="020B0604020202020204" pitchFamily="34" charset="0"/>
+              <a:buFont typeface="Arial"/>
               <a:buChar char="•"/>
             </a:pPr>
             <a:r>
@@ -2895,7 +2872,7 @@
           </a:p>
           <a:p>
             <a:pPr marL="171450" indent="-171450">
-              <a:buFont typeface="Arial" panose="020B0604020202020204" pitchFamily="34" charset="0"/>
+              <a:buFont typeface="Arial"/>
               <a:buChar char="•"/>
             </a:pPr>
             <a:r>
@@ -2905,47 +2882,42 @@
           </a:p>
           <a:p>
             <a:pPr marL="171450" indent="-171450">
-              <a:buFont typeface="Arial" panose="020B0604020202020204" pitchFamily="34" charset="0"/>
+              <a:buFont typeface="Arial"/>
               <a:buChar char="•"/>
             </a:pPr>
             <a:r>
               <a:rPr lang="es-CO" sz="900" dirty="0"/>
-              <a:t>mantenimiento </a:t>
-            </a:r>
+              <a:t>m</a:t>
+            </a:r>
+            <a:r>
+              <a:rPr lang="es-CO" sz="900" dirty="0" smtClean="0"/>
+              <a:t>antenimiento de homeóstasis</a:t>
+            </a:r>
+            <a:endParaRPr lang="es-CO" sz="900" dirty="0"/>
           </a:p>
           <a:p>
             <a:pPr marL="171450" indent="-171450">
-              <a:buFont typeface="Arial" panose="020B0604020202020204" pitchFamily="34" charset="0"/>
+              <a:buFont typeface="Arial"/>
               <a:buChar char="•"/>
             </a:pPr>
             <a:r>
               <a:rPr lang="es-CO" sz="900" dirty="0"/>
-              <a:t>homeóstasis</a:t>
+              <a:t>crecimiento</a:t>
             </a:r>
           </a:p>
           <a:p>
             <a:pPr marL="171450" indent="-171450">
-              <a:buFont typeface="Arial" panose="020B0604020202020204" pitchFamily="34" charset="0"/>
+              <a:buFont typeface="Arial"/>
               <a:buChar char="•"/>
             </a:pPr>
             <a:r>
               <a:rPr lang="es-CO" sz="900" dirty="0"/>
-              <a:t>crecimiento</a:t>
+              <a:t>desarrollo</a:t>
             </a:r>
           </a:p>
           <a:p>
             <a:pPr marL="171450" indent="-171450">
-              <a:buFont typeface="Arial" panose="020B0604020202020204" pitchFamily="34" charset="0"/>
-              <a:buChar char="•"/>
-            </a:pPr>
-            <a:r>
-              <a:rPr lang="es-CO" sz="900" dirty="0"/>
-              <a:t>desarrollo</a:t>
-            </a:r>
-          </a:p>
-          <a:p>
-            <a:pPr marL="171450" indent="-171450">
-              <a:buFont typeface="Arial" panose="020B0604020202020204" pitchFamily="34" charset="0"/>
+              <a:buFont typeface="Arial"/>
               <a:buChar char="•"/>
             </a:pPr>
             <a:r>
@@ -3034,9 +3006,9 @@
           <p:nvPr/>
         </p:nvCxnSpPr>
         <p:spPr>
-          <a:xfrm flipH="1">
-            <a:off x="6965260" y="2427202"/>
-            <a:ext cx="6154" cy="279597"/>
+          <a:xfrm>
+            <a:off x="6971414" y="2427202"/>
+            <a:ext cx="2726" cy="279597"/>
           </a:xfrm>
           <a:prstGeom prst="line">
             <a:avLst/>
@@ -3070,13 +3042,13 @@
         </p:nvSpPr>
         <p:spPr>
           <a:xfrm>
-            <a:off x="6356166" y="3867138"/>
-            <a:ext cx="1215256" cy="2230578"/>
+            <a:off x="6481535" y="3867138"/>
+            <a:ext cx="1165807" cy="1017622"/>
           </a:xfrm>
           <a:prstGeom prst="rect">
             <a:avLst/>
           </a:prstGeom>
-          <a:ln>
+          <a:ln w="12700" cmpd="sng">
             <a:solidFill>
               <a:schemeClr val="tx1"/>
             </a:solidFill>
@@ -3110,21 +3082,38 @@
                   <a:schemeClr val="tx1"/>
                 </a:solidFill>
               </a:rPr>
-              <a:t>tejidos (dientes y huesos)</a:t>
-            </a:r>
-          </a:p>
-          <a:p>
-            <a:pPr marL="171450" indent="-171450">
-              <a:buFont typeface="Arial" panose="020B0604020202020204" pitchFamily="34" charset="0"/>
-              <a:buChar char="•"/>
-            </a:pPr>
+              <a:t>tejidos (dientes </a:t>
+            </a:r>
+            <a:r>
+              <a:rPr lang="es-CO" sz="900" dirty="0" smtClean="0">
+                <a:solidFill>
+                  <a:schemeClr val="tx1"/>
+                </a:solidFill>
+              </a:rPr>
+              <a:t/>
+            </a:r>
+            <a:br>
+              <a:rPr lang="es-CO" sz="900" dirty="0" smtClean="0">
+                <a:solidFill>
+                  <a:schemeClr val="tx1"/>
+                </a:solidFill>
+              </a:rPr>
+            </a:br>
+            <a:r>
+              <a:rPr lang="es-CO" sz="900" dirty="0" smtClean="0">
+                <a:solidFill>
+                  <a:schemeClr val="tx1"/>
+                </a:solidFill>
+              </a:rPr>
+              <a:t>y </a:t>
+            </a:r>
             <a:r>
               <a:rPr lang="es-CO" sz="900" dirty="0">
                 <a:solidFill>
                   <a:schemeClr val="tx1"/>
                 </a:solidFill>
               </a:rPr>
-              <a:t>antioxidante</a:t>
+              <a:t>huesos)</a:t>
             </a:r>
           </a:p>
           <a:p>
@@ -3132,13 +3121,21 @@
               <a:buFont typeface="Arial" panose="020B0604020202020204" pitchFamily="34" charset="0"/>
               <a:buChar char="•"/>
             </a:pPr>
+            <a:r>
+              <a:rPr lang="es-CO" sz="900" dirty="0" smtClean="0">
+                <a:solidFill>
+                  <a:schemeClr val="tx1"/>
+                </a:solidFill>
+              </a:rPr>
+              <a:t>vasos </a:t>
+            </a:r>
             <a:r>
               <a:rPr lang="es-CO" sz="900" dirty="0">
                 <a:solidFill>
                   <a:schemeClr val="tx1"/>
                 </a:solidFill>
               </a:rPr>
-              <a:t>membranas celulares (protección)</a:t>
+              <a:t>sanguíneos</a:t>
             </a:r>
           </a:p>
           <a:p>
@@ -3146,69 +3143,21 @@
               <a:buFont typeface="Arial" panose="020B0604020202020204" pitchFamily="34" charset="0"/>
               <a:buChar char="•"/>
             </a:pPr>
+            <a:r>
+              <a:rPr lang="es-CO" sz="900" dirty="0" smtClean="0">
+                <a:solidFill>
+                  <a:schemeClr val="tx1"/>
+                </a:solidFill>
+              </a:rPr>
+              <a:t>sistema </a:t>
+            </a:r>
             <a:r>
               <a:rPr lang="es-CO" sz="900" dirty="0">
                 <a:solidFill>
                   <a:schemeClr val="tx1"/>
                 </a:solidFill>
               </a:rPr>
-              <a:t>coagulación</a:t>
-            </a:r>
-          </a:p>
-          <a:p>
-            <a:pPr marL="171450" indent="-171450">
-              <a:buFont typeface="Arial" panose="020B0604020202020204" pitchFamily="34" charset="0"/>
-              <a:buChar char="•"/>
-            </a:pPr>
-            <a:r>
-              <a:rPr lang="es-CO" sz="900" dirty="0">
-                <a:solidFill>
-                  <a:schemeClr val="tx1"/>
-                </a:solidFill>
-              </a:rPr>
-              <a:t>vasos sanguíneos</a:t>
-            </a:r>
-          </a:p>
-          <a:p>
-            <a:pPr marL="171450" indent="-171450">
-              <a:buFont typeface="Arial" panose="020B0604020202020204" pitchFamily="34" charset="0"/>
-              <a:buChar char="•"/>
-            </a:pPr>
-            <a:r>
-              <a:rPr lang="es-CO" sz="900" dirty="0">
-                <a:solidFill>
-                  <a:schemeClr val="tx1"/>
-                </a:solidFill>
-              </a:rPr>
-              <a:t>sistema nervioso</a:t>
-            </a:r>
-          </a:p>
-          <a:p>
-            <a:pPr marL="171450" indent="-171450">
-              <a:buFont typeface="Arial" panose="020B0604020202020204" pitchFamily="34" charset="0"/>
-              <a:buChar char="•"/>
-            </a:pPr>
-            <a:r>
-              <a:rPr lang="es-CO" sz="900" dirty="0">
-                <a:solidFill>
-                  <a:schemeClr val="tx1"/>
-                </a:solidFill>
-              </a:rPr>
-              <a:t>metabolismo</a:t>
-            </a:r>
-          </a:p>
-          <a:p>
-            <a:pPr marL="171450" indent="-171450">
-              <a:buFont typeface="Arial" panose="020B0604020202020204" pitchFamily="34" charset="0"/>
-              <a:buChar char="•"/>
-            </a:pPr>
-            <a:r>
-              <a:rPr lang="es-CO" sz="900" dirty="0">
-                <a:solidFill>
-                  <a:schemeClr val="tx1"/>
-                </a:solidFill>
-              </a:rPr>
-              <a:t>sistema nervioso</a:t>
+              <a:t>nervioso</a:t>
             </a:r>
           </a:p>
           <a:p>
@@ -3236,92 +3185,24 @@
                   <a:schemeClr val="tx1"/>
                 </a:solidFill>
               </a:rPr>
-              <a:t>piel</a:t>
-            </a:r>
-          </a:p>
-          <a:p>
-            <a:pPr marL="171450" indent="-171450">
-              <a:buFont typeface="Arial" panose="020B0604020202020204" pitchFamily="34" charset="0"/>
-              <a:buChar char="•"/>
-            </a:pPr>
-            <a:r>
-              <a:rPr lang="es-CO" sz="900" dirty="0">
+              <a:t>p</a:t>
+            </a:r>
+            <a:r>
+              <a:rPr lang="es-CO" sz="900" dirty="0" smtClean="0">
                 <a:solidFill>
                   <a:schemeClr val="tx1"/>
                 </a:solidFill>
               </a:rPr>
-              <a:t>síntesis de ácidos grasos</a:t>
-            </a:r>
+              <a:t>iel</a:t>
+            </a:r>
+            <a:endParaRPr lang="es-CO" sz="900" dirty="0">
+              <a:solidFill>
+                <a:schemeClr val="tx1"/>
+              </a:solidFill>
+            </a:endParaRPr>
           </a:p>
         </p:txBody>
       </p:sp>
-      <p:sp>
-        <p:nvSpPr>
-          <p:cNvPr id="211" name="Rectángulo 210"/>
-          <p:cNvSpPr/>
-          <p:nvPr/>
-        </p:nvSpPr>
-        <p:spPr>
-          <a:xfrm>
-            <a:off x="6393242" y="3313837"/>
-            <a:ext cx="1141516" cy="369332"/>
-          </a:xfrm>
-          <a:prstGeom prst="rect">
-            <a:avLst/>
-          </a:prstGeom>
-        </p:spPr>
-        <p:txBody>
-          <a:bodyPr wrap="square">
-            <a:spAutoFit/>
-          </a:bodyPr>
-          <a:lstStyle/>
-          <a:p>
-            <a:pPr algn="ctr"/>
-            <a:r>
-              <a:rPr lang="es-CO" sz="900" dirty="0"/>
-              <a:t>ayudan al funcionamiento de</a:t>
-            </a:r>
-          </a:p>
-        </p:txBody>
-      </p:sp>
-      <p:cxnSp>
-        <p:nvCxnSpPr>
-          <p:cNvPr id="213" name="Conector recto 212"/>
-          <p:cNvCxnSpPr>
-            <a:stCxn id="211" idx="2"/>
-            <a:endCxn id="208" idx="0"/>
-          </p:cNvCxnSpPr>
-          <p:nvPr/>
-        </p:nvCxnSpPr>
-        <p:spPr>
-          <a:xfrm flipH="1">
-            <a:off x="6963794" y="3683169"/>
-            <a:ext cx="206" cy="183969"/>
-          </a:xfrm>
-          <a:prstGeom prst="line">
-            <a:avLst/>
-          </a:prstGeom>
-          <a:ln w="12700">
-            <a:solidFill>
-              <a:schemeClr val="tx1"/>
-            </a:solidFill>
-          </a:ln>
-        </p:spPr>
-        <p:style>
-          <a:lnRef idx="1">
-            <a:schemeClr val="accent1"/>
-          </a:lnRef>
-          <a:fillRef idx="0">
-            <a:schemeClr val="accent1"/>
-          </a:fillRef>
-          <a:effectRef idx="0">
-            <a:schemeClr val="accent1"/>
-          </a:effectRef>
-          <a:fontRef idx="minor">
-            <a:schemeClr val="tx1"/>
-          </a:fontRef>
-        </p:style>
-      </p:cxnSp>
       <p:sp>
         <p:nvSpPr>
           <p:cNvPr id="214" name="Rectángulo 213"/>
@@ -3692,44 +3573,6 @@
           </a:fontRef>
         </p:style>
       </p:cxnSp>
-      <p:cxnSp>
-        <p:nvCxnSpPr>
-          <p:cNvPr id="291" name="Conector recto 290"/>
-          <p:cNvCxnSpPr>
-            <a:stCxn id="201" idx="2"/>
-            <a:endCxn id="204" idx="0"/>
-          </p:cNvCxnSpPr>
-          <p:nvPr/>
-        </p:nvCxnSpPr>
-        <p:spPr>
-          <a:xfrm>
-            <a:off x="4736133" y="4738937"/>
-            <a:ext cx="2854" cy="165240"/>
-          </a:xfrm>
-          <a:prstGeom prst="line">
-            <a:avLst/>
-          </a:prstGeom>
-          <a:ln w="12700">
-            <a:solidFill>
-              <a:schemeClr val="tx1"/>
-            </a:solidFill>
-          </a:ln>
-        </p:spPr>
-        <p:style>
-          <a:lnRef idx="1">
-            <a:schemeClr val="accent1"/>
-          </a:lnRef>
-          <a:fillRef idx="0">
-            <a:schemeClr val="accent1"/>
-          </a:fillRef>
-          <a:effectRef idx="0">
-            <a:schemeClr val="accent1"/>
-          </a:effectRef>
-          <a:fontRef idx="minor">
-            <a:schemeClr val="tx1"/>
-          </a:fontRef>
-        </p:style>
-      </p:cxnSp>
       <p:sp>
         <p:nvSpPr>
           <p:cNvPr id="333" name="Rectángulo 332"/>
@@ -3796,19 +3639,408 @@
           </a:fontRef>
         </p:style>
       </p:cxnSp>
+      <p:sp>
+        <p:nvSpPr>
+          <p:cNvPr id="68" name="Rectángulo 71"/>
+          <p:cNvSpPr/>
+          <p:nvPr/>
+        </p:nvSpPr>
+        <p:spPr>
+          <a:xfrm>
+            <a:off x="7800321" y="3867138"/>
+            <a:ext cx="978572" cy="1253719"/>
+          </a:xfrm>
+          <a:prstGeom prst="rect">
+            <a:avLst/>
+          </a:prstGeom>
+          <a:ln w="12700" cmpd="sng">
+            <a:solidFill>
+              <a:schemeClr val="tx1"/>
+            </a:solidFill>
+          </a:ln>
+        </p:spPr>
+        <p:style>
+          <a:lnRef idx="1">
+            <a:schemeClr val="accent3"/>
+          </a:lnRef>
+          <a:fillRef idx="2">
+            <a:schemeClr val="accent3"/>
+          </a:fillRef>
+          <a:effectRef idx="1">
+            <a:schemeClr val="accent3"/>
+          </a:effectRef>
+          <a:fontRef idx="minor">
+            <a:schemeClr val="dk1"/>
+          </a:fontRef>
+        </p:style>
+        <p:txBody>
+          <a:bodyPr rtlCol="0" anchor="ctr"/>
+          <a:lstStyle/>
+          <a:p>
+            <a:pPr marL="171450" indent="-171450">
+              <a:buFont typeface="Arial" panose="020B0604020202020204" pitchFamily="34" charset="0"/>
+              <a:buChar char="•"/>
+            </a:pPr>
+            <a:r>
+              <a:rPr lang="es-CO" sz="900" dirty="0" smtClean="0">
+                <a:solidFill>
+                  <a:schemeClr val="tx1"/>
+                </a:solidFill>
+              </a:rPr>
+              <a:t>antioxidante</a:t>
+            </a:r>
+            <a:endParaRPr lang="es-CO" sz="900" dirty="0">
+              <a:solidFill>
+                <a:schemeClr val="tx1"/>
+              </a:solidFill>
+            </a:endParaRPr>
+          </a:p>
+          <a:p>
+            <a:pPr marL="171450" indent="-171450">
+              <a:buFont typeface="Arial" panose="020B0604020202020204" pitchFamily="34" charset="0"/>
+              <a:buChar char="•"/>
+            </a:pPr>
+            <a:r>
+              <a:rPr lang="es-CO" sz="900" dirty="0">
+                <a:solidFill>
+                  <a:schemeClr val="tx1"/>
+                </a:solidFill>
+              </a:rPr>
+              <a:t>membranas celulares (protección)</a:t>
+            </a:r>
+          </a:p>
+          <a:p>
+            <a:pPr marL="171450" indent="-171450">
+              <a:buFont typeface="Arial" panose="020B0604020202020204" pitchFamily="34" charset="0"/>
+              <a:buChar char="•"/>
+            </a:pPr>
+            <a:r>
+              <a:rPr lang="es-CO" sz="900" dirty="0">
+                <a:solidFill>
+                  <a:schemeClr val="tx1"/>
+                </a:solidFill>
+              </a:rPr>
+              <a:t>c</a:t>
+            </a:r>
+            <a:r>
+              <a:rPr lang="es-CO" sz="900" dirty="0" smtClean="0">
+                <a:solidFill>
+                  <a:schemeClr val="tx1"/>
+                </a:solidFill>
+              </a:rPr>
+              <a:t>oagulación</a:t>
+            </a:r>
+            <a:endParaRPr lang="es-CO" sz="900" dirty="0">
+              <a:solidFill>
+                <a:schemeClr val="tx1"/>
+              </a:solidFill>
+            </a:endParaRPr>
+          </a:p>
+          <a:p>
+            <a:pPr marL="171450" indent="-171450">
+              <a:buFont typeface="Arial" panose="020B0604020202020204" pitchFamily="34" charset="0"/>
+              <a:buChar char="•"/>
+            </a:pPr>
+            <a:r>
+              <a:rPr lang="es-CO" sz="900" dirty="0">
+                <a:solidFill>
+                  <a:schemeClr val="tx1"/>
+                </a:solidFill>
+              </a:rPr>
+              <a:t>m</a:t>
+            </a:r>
+            <a:r>
+              <a:rPr lang="es-CO" sz="900" dirty="0" smtClean="0">
+                <a:solidFill>
+                  <a:schemeClr val="tx1"/>
+                </a:solidFill>
+              </a:rPr>
+              <a:t>etabolismo</a:t>
+            </a:r>
+            <a:endParaRPr lang="es-CO" sz="900" dirty="0">
+              <a:solidFill>
+                <a:schemeClr val="tx1"/>
+              </a:solidFill>
+            </a:endParaRPr>
+          </a:p>
+          <a:p>
+            <a:pPr marL="171450" indent="-171450">
+              <a:buFont typeface="Arial" panose="020B0604020202020204" pitchFamily="34" charset="0"/>
+              <a:buChar char="•"/>
+            </a:pPr>
+            <a:r>
+              <a:rPr lang="es-CO" sz="900" dirty="0" smtClean="0">
+                <a:solidFill>
+                  <a:schemeClr val="tx1"/>
+                </a:solidFill>
+              </a:rPr>
+              <a:t>síntesis </a:t>
+            </a:r>
+            <a:r>
+              <a:rPr lang="es-CO" sz="900" dirty="0">
+                <a:solidFill>
+                  <a:schemeClr val="tx1"/>
+                </a:solidFill>
+              </a:rPr>
+              <a:t>de ácidos grasos</a:t>
+            </a:r>
+          </a:p>
+        </p:txBody>
+      </p:sp>
+      <p:sp>
+        <p:nvSpPr>
+          <p:cNvPr id="71" name="Rectángulo 70"/>
+          <p:cNvSpPr/>
+          <p:nvPr/>
+        </p:nvSpPr>
+        <p:spPr>
+          <a:xfrm>
+            <a:off x="6468890" y="3543496"/>
+            <a:ext cx="999173" cy="230832"/>
+          </a:xfrm>
+          <a:prstGeom prst="rect">
+            <a:avLst/>
+          </a:prstGeom>
+        </p:spPr>
+        <p:txBody>
+          <a:bodyPr wrap="none">
+            <a:spAutoFit/>
+          </a:bodyPr>
+          <a:lstStyle/>
+          <a:p>
+            <a:r>
+              <a:rPr lang="es-CO" sz="900" dirty="0" smtClean="0"/>
+              <a:t>que act</a:t>
+            </a:r>
+            <a:r>
+              <a:rPr lang="es-CO" sz="900" dirty="0" smtClean="0"/>
+              <a:t>úan sobre</a:t>
+            </a:r>
+            <a:endParaRPr lang="es-CO" sz="900" dirty="0"/>
+          </a:p>
+        </p:txBody>
+      </p:sp>
+      <p:sp>
+        <p:nvSpPr>
+          <p:cNvPr id="72" name="Rectángulo 71"/>
+          <p:cNvSpPr/>
+          <p:nvPr/>
+        </p:nvSpPr>
+        <p:spPr>
+          <a:xfrm>
+            <a:off x="7871145" y="3543496"/>
+            <a:ext cx="836925" cy="230832"/>
+          </a:xfrm>
+          <a:prstGeom prst="rect">
+            <a:avLst/>
+          </a:prstGeom>
+        </p:spPr>
+        <p:txBody>
+          <a:bodyPr wrap="none">
+            <a:spAutoFit/>
+          </a:bodyPr>
+          <a:lstStyle/>
+          <a:p>
+            <a:r>
+              <a:rPr lang="es-CO" sz="900" dirty="0" smtClean="0"/>
+              <a:t>con funciones</a:t>
+            </a:r>
+            <a:endParaRPr lang="es-CO" sz="900" dirty="0"/>
+          </a:p>
+        </p:txBody>
+      </p:sp>
       <p:cxnSp>
         <p:nvCxnSpPr>
-          <p:cNvPr id="357" name="Conector recto 356"/>
+          <p:cNvPr id="81" name="Conector angular 80"/>
           <p:cNvCxnSpPr>
-            <a:stCxn id="180" idx="2"/>
-            <a:endCxn id="211" idx="0"/>
+            <a:stCxn id="72" idx="0"/>
+            <a:endCxn id="180" idx="2"/>
           </p:cNvCxnSpPr>
           <p:nvPr/>
         </p:nvCxnSpPr>
         <p:spPr>
-          <a:xfrm flipH="1">
-            <a:off x="6964000" y="3208258"/>
-            <a:ext cx="1260" cy="105579"/>
+          <a:xfrm rot="16200000" flipV="1">
+            <a:off x="7464255" y="2718143"/>
+            <a:ext cx="335238" cy="1315468"/>
+          </a:xfrm>
+          <a:prstGeom prst="bentConnector3">
+            <a:avLst>
+              <a:gd name="adj1" fmla="val 50000"/>
+            </a:avLst>
+          </a:prstGeom>
+          <a:ln w="12700">
+            <a:solidFill>
+              <a:schemeClr val="tx1"/>
+            </a:solidFill>
+          </a:ln>
+        </p:spPr>
+        <p:style>
+          <a:lnRef idx="1">
+            <a:schemeClr val="accent1"/>
+          </a:lnRef>
+          <a:fillRef idx="0">
+            <a:schemeClr val="accent1"/>
+          </a:fillRef>
+          <a:effectRef idx="0">
+            <a:schemeClr val="accent1"/>
+          </a:effectRef>
+          <a:fontRef idx="minor">
+            <a:schemeClr val="tx1"/>
+          </a:fontRef>
+        </p:style>
+      </p:cxnSp>
+      <p:cxnSp>
+        <p:nvCxnSpPr>
+          <p:cNvPr id="97" name="Conector recto 96"/>
+          <p:cNvCxnSpPr/>
+          <p:nvPr/>
+        </p:nvCxnSpPr>
+        <p:spPr>
+          <a:xfrm>
+            <a:off x="4737436" y="3374600"/>
+            <a:ext cx="879743" cy="204525"/>
+          </a:xfrm>
+          <a:prstGeom prst="bentConnector3">
+            <a:avLst>
+              <a:gd name="adj1" fmla="val 100371"/>
+            </a:avLst>
+          </a:prstGeom>
+          <a:ln w="12700">
+            <a:solidFill>
+              <a:schemeClr val="tx1"/>
+            </a:solidFill>
+          </a:ln>
+        </p:spPr>
+        <p:style>
+          <a:lnRef idx="1">
+            <a:schemeClr val="accent1"/>
+          </a:lnRef>
+          <a:fillRef idx="0">
+            <a:schemeClr val="accent1"/>
+          </a:fillRef>
+          <a:effectRef idx="0">
+            <a:schemeClr val="accent1"/>
+          </a:effectRef>
+          <a:fontRef idx="minor">
+            <a:schemeClr val="tx1"/>
+          </a:fontRef>
+        </p:style>
+      </p:cxnSp>
+      <p:cxnSp>
+        <p:nvCxnSpPr>
+          <p:cNvPr id="100" name="Conector recto 99"/>
+          <p:cNvCxnSpPr/>
+          <p:nvPr/>
+        </p:nvCxnSpPr>
+        <p:spPr>
+          <a:xfrm>
+            <a:off x="5618066" y="3774328"/>
+            <a:ext cx="0" cy="92810"/>
+          </a:xfrm>
+          <a:prstGeom prst="line">
+            <a:avLst/>
+          </a:prstGeom>
+          <a:ln w="12700">
+            <a:solidFill>
+              <a:schemeClr val="tx1"/>
+            </a:solidFill>
+          </a:ln>
+        </p:spPr>
+        <p:style>
+          <a:lnRef idx="1">
+            <a:schemeClr val="accent1"/>
+          </a:lnRef>
+          <a:fillRef idx="0">
+            <a:schemeClr val="accent1"/>
+          </a:fillRef>
+          <a:effectRef idx="0">
+            <a:schemeClr val="accent1"/>
+          </a:effectRef>
+          <a:fontRef idx="minor">
+            <a:schemeClr val="tx1"/>
+          </a:fontRef>
+        </p:style>
+      </p:cxnSp>
+      <p:cxnSp>
+        <p:nvCxnSpPr>
+          <p:cNvPr id="103" name="Conector recto 102"/>
+          <p:cNvCxnSpPr/>
+          <p:nvPr/>
+        </p:nvCxnSpPr>
+        <p:spPr>
+          <a:xfrm>
+            <a:off x="8289949" y="3777503"/>
+            <a:ext cx="0" cy="92810"/>
+          </a:xfrm>
+          <a:prstGeom prst="line">
+            <a:avLst/>
+          </a:prstGeom>
+          <a:ln w="12700">
+            <a:solidFill>
+              <a:schemeClr val="tx1"/>
+            </a:solidFill>
+          </a:ln>
+        </p:spPr>
+        <p:style>
+          <a:lnRef idx="1">
+            <a:schemeClr val="accent1"/>
+          </a:lnRef>
+          <a:fillRef idx="0">
+            <a:schemeClr val="accent1"/>
+          </a:fillRef>
+          <a:effectRef idx="0">
+            <a:schemeClr val="accent1"/>
+          </a:effectRef>
+          <a:fontRef idx="minor">
+            <a:schemeClr val="tx1"/>
+          </a:fontRef>
+        </p:style>
+      </p:cxnSp>
+      <p:cxnSp>
+        <p:nvCxnSpPr>
+          <p:cNvPr id="113" name="Conector recto 112"/>
+          <p:cNvCxnSpPr/>
+          <p:nvPr/>
+        </p:nvCxnSpPr>
+        <p:spPr>
+          <a:xfrm>
+            <a:off x="6969149" y="3774328"/>
+            <a:ext cx="0" cy="92810"/>
+          </a:xfrm>
+          <a:prstGeom prst="line">
+            <a:avLst/>
+          </a:prstGeom>
+          <a:ln w="12700">
+            <a:solidFill>
+              <a:schemeClr val="tx1"/>
+            </a:solidFill>
+          </a:ln>
+        </p:spPr>
+        <p:style>
+          <a:lnRef idx="1">
+            <a:schemeClr val="accent1"/>
+          </a:lnRef>
+          <a:fillRef idx="0">
+            <a:schemeClr val="accent1"/>
+          </a:fillRef>
+          <a:effectRef idx="0">
+            <a:schemeClr val="accent1"/>
+          </a:effectRef>
+          <a:fontRef idx="minor">
+            <a:schemeClr val="tx1"/>
+          </a:fontRef>
+        </p:style>
+      </p:cxnSp>
+      <p:cxnSp>
+        <p:nvCxnSpPr>
+          <p:cNvPr id="114" name="Conector recto 113"/>
+          <p:cNvCxnSpPr/>
+          <p:nvPr/>
+        </p:nvCxnSpPr>
+        <p:spPr>
+          <a:xfrm>
+            <a:off x="6975175" y="3377453"/>
+            <a:ext cx="0" cy="174312"/>
           </a:xfrm>
           <a:prstGeom prst="line">
             <a:avLst/>
@@ -4114,7 +4346,7 @@
   <a:extraClrSchemeLst/>
   <a:extLst>
     <a:ext uri="{05A4C25C-085E-4340-85A3-A5531E510DB2}">
-      <thm15:themeFamily xmlns:thm15="http://schemas.microsoft.com/office/thememl/2012/main" name="Office Theme" id="{62F939B6-93AF-4DB8-9C6B-D6C7DFDC589F}" vid="{4A3C46E8-61CC-4603-A589-7422A47A8E4A}"/>
+      <thm15:themeFamily xmlns:thm15="http://schemas.microsoft.com/office/thememl/2012/main" xmlns="" name="Office Theme" id="{62F939B6-93AF-4DB8-9C6B-D6C7DFDC589F}" vid="{4A3C46E8-61CC-4603-A589-7422A47A8E4A}"/>
     </a:ext>
   </a:extLst>
 </a:theme>
